--- a/review/lecture-review-week-4.pptx
+++ b/review/lecture-review-week-4.pptx
@@ -266,7 +266,7 @@
           <a:p>
             <a:fld id="{2EB47A83-2598-B342-BA52-F01C23A2EBB5}" type="datetimeFigureOut">
               <a:rPr lang="en-US" smtClean="0"/>
-              <a:t>10/5/19</a:t>
+              <a:t>8/10/20</a:t>
             </a:fld>
             <a:endParaRPr lang="en-US"/>
           </a:p>
@@ -464,7 +464,7 @@
           <a:p>
             <a:fld id="{2EB47A83-2598-B342-BA52-F01C23A2EBB5}" type="datetimeFigureOut">
               <a:rPr lang="en-US" smtClean="0"/>
-              <a:t>10/5/19</a:t>
+              <a:t>8/10/20</a:t>
             </a:fld>
             <a:endParaRPr lang="en-US"/>
           </a:p>
@@ -672,7 +672,7 @@
           <a:p>
             <a:fld id="{2EB47A83-2598-B342-BA52-F01C23A2EBB5}" type="datetimeFigureOut">
               <a:rPr lang="en-US" smtClean="0"/>
-              <a:t>10/5/19</a:t>
+              <a:t>8/10/20</a:t>
             </a:fld>
             <a:endParaRPr lang="en-US"/>
           </a:p>
@@ -870,7 +870,7 @@
           <a:p>
             <a:fld id="{2EB47A83-2598-B342-BA52-F01C23A2EBB5}" type="datetimeFigureOut">
               <a:rPr lang="en-US" smtClean="0"/>
-              <a:t>10/5/19</a:t>
+              <a:t>8/10/20</a:t>
             </a:fld>
             <a:endParaRPr lang="en-US"/>
           </a:p>
@@ -1145,7 +1145,7 @@
           <a:p>
             <a:fld id="{2EB47A83-2598-B342-BA52-F01C23A2EBB5}" type="datetimeFigureOut">
               <a:rPr lang="en-US" smtClean="0"/>
-              <a:t>10/5/19</a:t>
+              <a:t>8/10/20</a:t>
             </a:fld>
             <a:endParaRPr lang="en-US"/>
           </a:p>
@@ -1410,7 +1410,7 @@
           <a:p>
             <a:fld id="{2EB47A83-2598-B342-BA52-F01C23A2EBB5}" type="datetimeFigureOut">
               <a:rPr lang="en-US" smtClean="0"/>
-              <a:t>10/5/19</a:t>
+              <a:t>8/10/20</a:t>
             </a:fld>
             <a:endParaRPr lang="en-US"/>
           </a:p>
@@ -1822,7 +1822,7 @@
           <a:p>
             <a:fld id="{2EB47A83-2598-B342-BA52-F01C23A2EBB5}" type="datetimeFigureOut">
               <a:rPr lang="en-US" smtClean="0"/>
-              <a:t>10/5/19</a:t>
+              <a:t>8/10/20</a:t>
             </a:fld>
             <a:endParaRPr lang="en-US"/>
           </a:p>
@@ -1963,7 +1963,7 @@
           <a:p>
             <a:fld id="{2EB47A83-2598-B342-BA52-F01C23A2EBB5}" type="datetimeFigureOut">
               <a:rPr lang="en-US" smtClean="0"/>
-              <a:t>10/5/19</a:t>
+              <a:t>8/10/20</a:t>
             </a:fld>
             <a:endParaRPr lang="en-US"/>
           </a:p>
@@ -2076,7 +2076,7 @@
           <a:p>
             <a:fld id="{2EB47A83-2598-B342-BA52-F01C23A2EBB5}" type="datetimeFigureOut">
               <a:rPr lang="en-US" smtClean="0"/>
-              <a:t>10/5/19</a:t>
+              <a:t>8/10/20</a:t>
             </a:fld>
             <a:endParaRPr lang="en-US"/>
           </a:p>
@@ -2387,7 +2387,7 @@
           <a:p>
             <a:fld id="{2EB47A83-2598-B342-BA52-F01C23A2EBB5}" type="datetimeFigureOut">
               <a:rPr lang="en-US" smtClean="0"/>
-              <a:t>10/5/19</a:t>
+              <a:t>8/10/20</a:t>
             </a:fld>
             <a:endParaRPr lang="en-US"/>
           </a:p>
@@ -2675,7 +2675,7 @@
           <a:p>
             <a:fld id="{2EB47A83-2598-B342-BA52-F01C23A2EBB5}" type="datetimeFigureOut">
               <a:rPr lang="en-US" smtClean="0"/>
-              <a:t>10/5/19</a:t>
+              <a:t>8/10/20</a:t>
             </a:fld>
             <a:endParaRPr lang="en-US"/>
           </a:p>
@@ -2916,7 +2916,7 @@
           <a:p>
             <a:fld id="{2EB47A83-2598-B342-BA52-F01C23A2EBB5}" type="datetimeFigureOut">
               <a:rPr lang="en-US" smtClean="0"/>
-              <a:t>10/5/19</a:t>
+              <a:t>8/10/20</a:t>
             </a:fld>
             <a:endParaRPr lang="en-US"/>
           </a:p>
@@ -3371,12 +3371,12 @@
               </a:rPr>
             </a:br>
             <a:r>
-              <a:rPr lang="en-US" sz="3600" dirty="0">
+              <a:rPr lang="en-US" sz="3600">
                 <a:solidFill>
                   <a:prstClr val="black"/>
                 </a:solidFill>
               </a:rPr>
-              <a:t>SEIS 665</a:t>
+              <a:t>SEIS 615</a:t>
             </a:r>
             <a:br>
               <a:rPr lang="en-US" sz="3600" dirty="0">

--- a/review/lecture-review-week-4.pptx
+++ b/review/lecture-review-week-4.pptx
@@ -266,7 +266,7 @@
           <a:p>
             <a:fld id="{2EB47A83-2598-B342-BA52-F01C23A2EBB5}" type="datetimeFigureOut">
               <a:rPr lang="en-US" smtClean="0"/>
-              <a:t>8/10/20</a:t>
+              <a:t>10/4/20</a:t>
             </a:fld>
             <a:endParaRPr lang="en-US"/>
           </a:p>
@@ -464,7 +464,7 @@
           <a:p>
             <a:fld id="{2EB47A83-2598-B342-BA52-F01C23A2EBB5}" type="datetimeFigureOut">
               <a:rPr lang="en-US" smtClean="0"/>
-              <a:t>8/10/20</a:t>
+              <a:t>10/4/20</a:t>
             </a:fld>
             <a:endParaRPr lang="en-US"/>
           </a:p>
@@ -672,7 +672,7 @@
           <a:p>
             <a:fld id="{2EB47A83-2598-B342-BA52-F01C23A2EBB5}" type="datetimeFigureOut">
               <a:rPr lang="en-US" smtClean="0"/>
-              <a:t>8/10/20</a:t>
+              <a:t>10/4/20</a:t>
             </a:fld>
             <a:endParaRPr lang="en-US"/>
           </a:p>
@@ -870,7 +870,7 @@
           <a:p>
             <a:fld id="{2EB47A83-2598-B342-BA52-F01C23A2EBB5}" type="datetimeFigureOut">
               <a:rPr lang="en-US" smtClean="0"/>
-              <a:t>8/10/20</a:t>
+              <a:t>10/4/20</a:t>
             </a:fld>
             <a:endParaRPr lang="en-US"/>
           </a:p>
@@ -1145,7 +1145,7 @@
           <a:p>
             <a:fld id="{2EB47A83-2598-B342-BA52-F01C23A2EBB5}" type="datetimeFigureOut">
               <a:rPr lang="en-US" smtClean="0"/>
-              <a:t>8/10/20</a:t>
+              <a:t>10/4/20</a:t>
             </a:fld>
             <a:endParaRPr lang="en-US"/>
           </a:p>
@@ -1410,7 +1410,7 @@
           <a:p>
             <a:fld id="{2EB47A83-2598-B342-BA52-F01C23A2EBB5}" type="datetimeFigureOut">
               <a:rPr lang="en-US" smtClean="0"/>
-              <a:t>8/10/20</a:t>
+              <a:t>10/4/20</a:t>
             </a:fld>
             <a:endParaRPr lang="en-US"/>
           </a:p>
@@ -1822,7 +1822,7 @@
           <a:p>
             <a:fld id="{2EB47A83-2598-B342-BA52-F01C23A2EBB5}" type="datetimeFigureOut">
               <a:rPr lang="en-US" smtClean="0"/>
-              <a:t>8/10/20</a:t>
+              <a:t>10/4/20</a:t>
             </a:fld>
             <a:endParaRPr lang="en-US"/>
           </a:p>
@@ -1963,7 +1963,7 @@
           <a:p>
             <a:fld id="{2EB47A83-2598-B342-BA52-F01C23A2EBB5}" type="datetimeFigureOut">
               <a:rPr lang="en-US" smtClean="0"/>
-              <a:t>8/10/20</a:t>
+              <a:t>10/4/20</a:t>
             </a:fld>
             <a:endParaRPr lang="en-US"/>
           </a:p>
@@ -2076,7 +2076,7 @@
           <a:p>
             <a:fld id="{2EB47A83-2598-B342-BA52-F01C23A2EBB5}" type="datetimeFigureOut">
               <a:rPr lang="en-US" smtClean="0"/>
-              <a:t>8/10/20</a:t>
+              <a:t>10/4/20</a:t>
             </a:fld>
             <a:endParaRPr lang="en-US"/>
           </a:p>
@@ -2387,7 +2387,7 @@
           <a:p>
             <a:fld id="{2EB47A83-2598-B342-BA52-F01C23A2EBB5}" type="datetimeFigureOut">
               <a:rPr lang="en-US" smtClean="0"/>
-              <a:t>8/10/20</a:t>
+              <a:t>10/4/20</a:t>
             </a:fld>
             <a:endParaRPr lang="en-US"/>
           </a:p>
@@ -2675,7 +2675,7 @@
           <a:p>
             <a:fld id="{2EB47A83-2598-B342-BA52-F01C23A2EBB5}" type="datetimeFigureOut">
               <a:rPr lang="en-US" smtClean="0"/>
-              <a:t>8/10/20</a:t>
+              <a:t>10/4/20</a:t>
             </a:fld>
             <a:endParaRPr lang="en-US"/>
           </a:p>
@@ -2916,7 +2916,7 @@
           <a:p>
             <a:fld id="{2EB47A83-2598-B342-BA52-F01C23A2EBB5}" type="datetimeFigureOut">
               <a:rPr lang="en-US" smtClean="0"/>
-              <a:t>8/10/20</a:t>
+              <a:t>10/4/20</a:t>
             </a:fld>
             <a:endParaRPr lang="en-US"/>
           </a:p>
@@ -4219,7 +4219,7 @@
         <p:spPr/>
         <p:txBody>
           <a:bodyPr>
-            <a:normAutofit fontScale="92500"/>
+            <a:normAutofit fontScale="92500" lnSpcReduction="10000"/>
           </a:bodyPr>
           <a:lstStyle/>
           <a:p>
@@ -4262,7 +4262,14 @@
             <a:pPr lvl="1"/>
             <a:r>
               <a:rPr lang="en-US" dirty="0"/>
-              <a:t>Use </a:t>
+              <a:t>Use "My IP" to assign your current IP as the source in a security group rule.</a:t>
+            </a:r>
+          </a:p>
+          <a:p>
+            <a:pPr lvl="1"/>
+            <a:r>
+              <a:rPr lang="en-US" dirty="0"/>
+              <a:t>Or use </a:t>
             </a:r>
             <a:r>
               <a:rPr lang="en-US" dirty="0">
@@ -4272,14 +4279,14 @@
             </a:r>
             <a:r>
               <a:rPr lang="en-US" dirty="0"/>
-              <a:t> to determine your current IP</a:t>
+              <a:t> to determine your current IP.</a:t>
             </a:r>
           </a:p>
           <a:p>
             <a:pPr lvl="1"/>
             <a:r>
               <a:rPr lang="en-US" dirty="0"/>
-              <a:t>You will need to update the security group configuration if you move your workstation to a different network (home -&gt; school -&gt; work)</a:t>
+              <a:t>Note: You will need to update the security group configuration if you move your workstation to a different network (home -&gt; school -&gt; work).</a:t>
             </a:r>
           </a:p>
         </p:txBody>

--- a/review/lecture-review-week-4.pptx
+++ b/review/lecture-review-week-4.pptx
@@ -10,9 +10,8 @@
     <p:sldId id="259" r:id="rId4"/>
     <p:sldId id="274" r:id="rId5"/>
     <p:sldId id="275" r:id="rId6"/>
-    <p:sldId id="276" r:id="rId7"/>
-    <p:sldId id="272" r:id="rId8"/>
-    <p:sldId id="271" r:id="rId9"/>
+    <p:sldId id="272" r:id="rId7"/>
+    <p:sldId id="271" r:id="rId8"/>
   </p:sldIdLst>
   <p:sldSz cx="12192000" cy="6858000"/>
   <p:notesSz cx="6858000" cy="9144000"/>
@@ -266,7 +265,7 @@
           <a:p>
             <a:fld id="{2EB47A83-2598-B342-BA52-F01C23A2EBB5}" type="datetimeFigureOut">
               <a:rPr lang="en-US" smtClean="0"/>
-              <a:t>10/4/20</a:t>
+              <a:t>9/11/21</a:t>
             </a:fld>
             <a:endParaRPr lang="en-US"/>
           </a:p>
@@ -464,7 +463,7 @@
           <a:p>
             <a:fld id="{2EB47A83-2598-B342-BA52-F01C23A2EBB5}" type="datetimeFigureOut">
               <a:rPr lang="en-US" smtClean="0"/>
-              <a:t>10/4/20</a:t>
+              <a:t>9/11/21</a:t>
             </a:fld>
             <a:endParaRPr lang="en-US"/>
           </a:p>
@@ -672,7 +671,7 @@
           <a:p>
             <a:fld id="{2EB47A83-2598-B342-BA52-F01C23A2EBB5}" type="datetimeFigureOut">
               <a:rPr lang="en-US" smtClean="0"/>
-              <a:t>10/4/20</a:t>
+              <a:t>9/11/21</a:t>
             </a:fld>
             <a:endParaRPr lang="en-US"/>
           </a:p>
@@ -870,7 +869,7 @@
           <a:p>
             <a:fld id="{2EB47A83-2598-B342-BA52-F01C23A2EBB5}" type="datetimeFigureOut">
               <a:rPr lang="en-US" smtClean="0"/>
-              <a:t>10/4/20</a:t>
+              <a:t>9/11/21</a:t>
             </a:fld>
             <a:endParaRPr lang="en-US"/>
           </a:p>
@@ -1145,7 +1144,7 @@
           <a:p>
             <a:fld id="{2EB47A83-2598-B342-BA52-F01C23A2EBB5}" type="datetimeFigureOut">
               <a:rPr lang="en-US" smtClean="0"/>
-              <a:t>10/4/20</a:t>
+              <a:t>9/11/21</a:t>
             </a:fld>
             <a:endParaRPr lang="en-US"/>
           </a:p>
@@ -1410,7 +1409,7 @@
           <a:p>
             <a:fld id="{2EB47A83-2598-B342-BA52-F01C23A2EBB5}" type="datetimeFigureOut">
               <a:rPr lang="en-US" smtClean="0"/>
-              <a:t>10/4/20</a:t>
+              <a:t>9/11/21</a:t>
             </a:fld>
             <a:endParaRPr lang="en-US"/>
           </a:p>
@@ -1822,7 +1821,7 @@
           <a:p>
             <a:fld id="{2EB47A83-2598-B342-BA52-F01C23A2EBB5}" type="datetimeFigureOut">
               <a:rPr lang="en-US" smtClean="0"/>
-              <a:t>10/4/20</a:t>
+              <a:t>9/11/21</a:t>
             </a:fld>
             <a:endParaRPr lang="en-US"/>
           </a:p>
@@ -1963,7 +1962,7 @@
           <a:p>
             <a:fld id="{2EB47A83-2598-B342-BA52-F01C23A2EBB5}" type="datetimeFigureOut">
               <a:rPr lang="en-US" smtClean="0"/>
-              <a:t>10/4/20</a:t>
+              <a:t>9/11/21</a:t>
             </a:fld>
             <a:endParaRPr lang="en-US"/>
           </a:p>
@@ -2076,7 +2075,7 @@
           <a:p>
             <a:fld id="{2EB47A83-2598-B342-BA52-F01C23A2EBB5}" type="datetimeFigureOut">
               <a:rPr lang="en-US" smtClean="0"/>
-              <a:t>10/4/20</a:t>
+              <a:t>9/11/21</a:t>
             </a:fld>
             <a:endParaRPr lang="en-US"/>
           </a:p>
@@ -2387,7 +2386,7 @@
           <a:p>
             <a:fld id="{2EB47A83-2598-B342-BA52-F01C23A2EBB5}" type="datetimeFigureOut">
               <a:rPr lang="en-US" smtClean="0"/>
-              <a:t>10/4/20</a:t>
+              <a:t>9/11/21</a:t>
             </a:fld>
             <a:endParaRPr lang="en-US"/>
           </a:p>
@@ -2675,7 +2674,7 @@
           <a:p>
             <a:fld id="{2EB47A83-2598-B342-BA52-F01C23A2EBB5}" type="datetimeFigureOut">
               <a:rPr lang="en-US" smtClean="0"/>
-              <a:t>10/4/20</a:t>
+              <a:t>9/11/21</a:t>
             </a:fld>
             <a:endParaRPr lang="en-US"/>
           </a:p>
@@ -2916,7 +2915,7 @@
           <a:p>
             <a:fld id="{2EB47A83-2598-B342-BA52-F01C23A2EBB5}" type="datetimeFigureOut">
               <a:rPr lang="en-US" smtClean="0"/>
-              <a:t>10/4/20</a:t>
+              <a:t>9/11/21</a:t>
             </a:fld>
             <a:endParaRPr lang="en-US"/>
           </a:p>
@@ -4174,155 +4173,6 @@
       </p:grpSpPr>
       <p:sp>
         <p:nvSpPr>
-          <p:cNvPr id="2" name="Title 1">
-            <a:extLst>
-              <a:ext uri="{FF2B5EF4-FFF2-40B4-BE49-F238E27FC236}">
-                <a16:creationId xmlns:a16="http://schemas.microsoft.com/office/drawing/2014/main" id="{4E92DDF9-1218-9B4D-83E7-7263FA4ED4A4}"/>
-              </a:ext>
-            </a:extLst>
-          </p:cNvPr>
-          <p:cNvSpPr>
-            <a:spLocks noGrp="1"/>
-          </p:cNvSpPr>
-          <p:nvPr>
-            <p:ph type="title"/>
-          </p:nvPr>
-        </p:nvSpPr>
-        <p:spPr/>
-        <p:txBody>
-          <a:bodyPr/>
-          <a:lstStyle/>
-          <a:p>
-            <a:r>
-              <a:rPr lang="en-US" dirty="0"/>
-              <a:t>Improving Security</a:t>
-            </a:r>
-          </a:p>
-        </p:txBody>
-      </p:sp>
-      <p:sp>
-        <p:nvSpPr>
-          <p:cNvPr id="3" name="Content Placeholder 2">
-            <a:extLst>
-              <a:ext uri="{FF2B5EF4-FFF2-40B4-BE49-F238E27FC236}">
-                <a16:creationId xmlns:a16="http://schemas.microsoft.com/office/drawing/2014/main" id="{93D056AE-12FA-D04B-A7F1-B155F443A623}"/>
-              </a:ext>
-            </a:extLst>
-          </p:cNvPr>
-          <p:cNvSpPr>
-            <a:spLocks noGrp="1"/>
-          </p:cNvSpPr>
-          <p:nvPr>
-            <p:ph idx="1"/>
-          </p:nvPr>
-        </p:nvSpPr>
-        <p:spPr/>
-        <p:txBody>
-          <a:bodyPr>
-            <a:normAutofit fontScale="92500" lnSpcReduction="10000"/>
-          </a:bodyPr>
-          <a:lstStyle/>
-          <a:p>
-            <a:r>
-              <a:rPr lang="en-US" dirty="0"/>
-              <a:t>We've been configuring security groups to allow incoming SSH traffic from the Internet (0.0.0.0/0)</a:t>
-            </a:r>
-          </a:p>
-          <a:p>
-            <a:pPr lvl="1"/>
-            <a:r>
-              <a:rPr lang="en-US" dirty="0"/>
-              <a:t>Never ever do this in the real world.</a:t>
-            </a:r>
-          </a:p>
-          <a:p>
-            <a:pPr lvl="1"/>
-            <a:r>
-              <a:rPr lang="en-US" dirty="0"/>
-              <a:t>Limit incoming SSH to corporate IP block or (better yet) only allow SSH if it comes through a VPN Gateway.</a:t>
-            </a:r>
-          </a:p>
-          <a:p>
-            <a:pPr lvl="1"/>
-            <a:r>
-              <a:rPr lang="en-US" dirty="0"/>
-              <a:t>Even worse: Allowing all protocols/ports from anywhere (this will get you fired!)</a:t>
-            </a:r>
-          </a:p>
-          <a:p>
-            <a:endParaRPr lang="en-US" dirty="0"/>
-          </a:p>
-          <a:p>
-            <a:r>
-              <a:rPr lang="en-US" dirty="0"/>
-              <a:t>In all future work we will limit SSH access to our workstation IP address.</a:t>
-            </a:r>
-          </a:p>
-          <a:p>
-            <a:pPr lvl="1"/>
-            <a:r>
-              <a:rPr lang="en-US" dirty="0"/>
-              <a:t>Use "My IP" to assign your current IP as the source in a security group rule.</a:t>
-            </a:r>
-          </a:p>
-          <a:p>
-            <a:pPr lvl="1"/>
-            <a:r>
-              <a:rPr lang="en-US" dirty="0"/>
-              <a:t>Or use </a:t>
-            </a:r>
-            <a:r>
-              <a:rPr lang="en-US" dirty="0">
-                <a:hlinkClick r:id="rId2"/>
-              </a:rPr>
-              <a:t>http://checkip.amazonaws.com</a:t>
-            </a:r>
-            <a:r>
-              <a:rPr lang="en-US" dirty="0"/>
-              <a:t> to determine your current IP.</a:t>
-            </a:r>
-          </a:p>
-          <a:p>
-            <a:pPr lvl="1"/>
-            <a:r>
-              <a:rPr lang="en-US" dirty="0"/>
-              <a:t>Note: You will need to update the security group configuration if you move your workstation to a different network (home -&gt; school -&gt; work).</a:t>
-            </a:r>
-          </a:p>
-        </p:txBody>
-      </p:sp>
-    </p:spTree>
-    <p:extLst>
-      <p:ext uri="{BB962C8B-B14F-4D97-AF65-F5344CB8AC3E}">
-        <p14:creationId xmlns:p14="http://schemas.microsoft.com/office/powerpoint/2010/main" val="1363068343"/>
-      </p:ext>
-    </p:extLst>
-  </p:cSld>
-  <p:clrMapOvr>
-    <a:masterClrMapping/>
-  </p:clrMapOvr>
-</p:sld>
-</file>
-
-<file path=ppt/slides/slide7.xml><?xml version="1.0" encoding="utf-8"?>
-<p:sld xmlns:a="http://schemas.openxmlformats.org/drawingml/2006/main" xmlns:r="http://schemas.openxmlformats.org/officeDocument/2006/relationships" xmlns:p="http://schemas.openxmlformats.org/presentationml/2006/main">
-  <p:cSld>
-    <p:spTree>
-      <p:nvGrpSpPr>
-        <p:cNvPr id="1" name=""/>
-        <p:cNvGrpSpPr/>
-        <p:nvPr/>
-      </p:nvGrpSpPr>
-      <p:grpSpPr>
-        <a:xfrm>
-          <a:off x="0" y="0"/>
-          <a:ext cx="0" cy="0"/>
-          <a:chOff x="0" y="0"/>
-          <a:chExt cx="0" cy="0"/>
-        </a:xfrm>
-      </p:grpSpPr>
-      <p:sp>
-        <p:nvSpPr>
           <p:cNvPr id="2" name="Title 1"/>
           <p:cNvSpPr>
             <a:spLocks noGrp="1"/>
@@ -4399,7 +4249,7 @@
 </p:sld>
 </file>
 
-<file path=ppt/slides/slide8.xml><?xml version="1.0" encoding="utf-8"?>
+<file path=ppt/slides/slide7.xml><?xml version="1.0" encoding="utf-8"?>
 <p:sld xmlns:a="http://schemas.openxmlformats.org/drawingml/2006/main" xmlns:r="http://schemas.openxmlformats.org/officeDocument/2006/relationships" xmlns:p="http://schemas.openxmlformats.org/presentationml/2006/main">
   <p:cSld>
     <p:spTree>
